--- a/ppt 16-9/1264.你愿人怎样待.pptx
+++ b/ppt 16-9/1264.你愿人怎样待.pptx
@@ -129,7 +129,7 @@
           <p:cNvPr id="2" name="标题 1">
             <a:extLst>
               <a:ext uri="{FF2B5EF4-FFF2-40B4-BE49-F238E27FC236}">
-                <a16:creationId xmlns:a16="http://schemas.microsoft.com/office/drawing/2014/main" id="{76B75E4F-4370-339D-2600-3D897BDB8897}"/>
+                <a16:creationId xmlns:a16="http://schemas.microsoft.com/office/drawing/2014/main" id="{7E165AD9-6E22-7B1E-7758-EEF51FE90B88}"/>
               </a:ext>
             </a:extLst>
           </p:cNvPr>
@@ -166,7 +166,7 @@
           <p:cNvPr id="3" name="副标题 2">
             <a:extLst>
               <a:ext uri="{FF2B5EF4-FFF2-40B4-BE49-F238E27FC236}">
-                <a16:creationId xmlns:a16="http://schemas.microsoft.com/office/drawing/2014/main" id="{11769B33-5AB7-7893-B884-B116322CCD75}"/>
+                <a16:creationId xmlns:a16="http://schemas.microsoft.com/office/drawing/2014/main" id="{5603FB93-986F-986F-A5E8-E7EDEBFD04B7}"/>
               </a:ext>
             </a:extLst>
           </p:cNvPr>
@@ -236,7 +236,7 @@
           <p:cNvPr id="4" name="日期占位符 3">
             <a:extLst>
               <a:ext uri="{FF2B5EF4-FFF2-40B4-BE49-F238E27FC236}">
-                <a16:creationId xmlns:a16="http://schemas.microsoft.com/office/drawing/2014/main" id="{47B14EF1-5795-8A65-61CC-9DC9894828B7}"/>
+                <a16:creationId xmlns:a16="http://schemas.microsoft.com/office/drawing/2014/main" id="{87612BE2-2737-BAA5-6064-12EF3E830AE7}"/>
               </a:ext>
             </a:extLst>
           </p:cNvPr>
@@ -252,7 +252,7 @@
           <a:bodyPr/>
           <a:lstStyle/>
           <a:p>
-            <a:fld id="{D2593F42-B09A-4528-B28B-F1CCE2BDC2CA}" type="datetimeFigureOut">
+            <a:fld id="{EF42F690-B663-4023-B33D-D6AAA1BE39AB}" type="datetimeFigureOut">
               <a:rPr lang="zh-CN" altLang="en-US" smtClean="0"/>
               <a:t>2024/3/10</a:t>
             </a:fld>
@@ -265,7 +265,7 @@
           <p:cNvPr id="5" name="页脚占位符 4">
             <a:extLst>
               <a:ext uri="{FF2B5EF4-FFF2-40B4-BE49-F238E27FC236}">
-                <a16:creationId xmlns:a16="http://schemas.microsoft.com/office/drawing/2014/main" id="{A2D16C98-602D-6BB3-A95A-2FA0E98713C4}"/>
+                <a16:creationId xmlns:a16="http://schemas.microsoft.com/office/drawing/2014/main" id="{4636F8EC-4AC5-471D-D256-0F16477FD0E6}"/>
               </a:ext>
             </a:extLst>
           </p:cNvPr>
@@ -290,7 +290,7 @@
           <p:cNvPr id="6" name="灯片编号占位符 5">
             <a:extLst>
               <a:ext uri="{FF2B5EF4-FFF2-40B4-BE49-F238E27FC236}">
-                <a16:creationId xmlns:a16="http://schemas.microsoft.com/office/drawing/2014/main" id="{78423DF9-3AA9-6BEE-2224-67B088135E4D}"/>
+                <a16:creationId xmlns:a16="http://schemas.microsoft.com/office/drawing/2014/main" id="{BBD59FA2-D936-ACCB-9EE1-B03E8309F543}"/>
               </a:ext>
             </a:extLst>
           </p:cNvPr>
@@ -306,7 +306,7 @@
           <a:bodyPr/>
           <a:lstStyle/>
           <a:p>
-            <a:fld id="{C37F9535-3300-42A5-BAAA-CEB7B6A84C95}" type="slidenum">
+            <a:fld id="{40A9D8AA-6C24-4DBE-9B4D-97CF04EE24E7}" type="slidenum">
               <a:rPr lang="zh-CN" altLang="en-US" smtClean="0"/>
               <a:t>‹#›</a:t>
             </a:fld>
@@ -317,7 +317,7 @@
     </p:spTree>
     <p:extLst>
       <p:ext uri="{BB962C8B-B14F-4D97-AF65-F5344CB8AC3E}">
-        <p14:creationId xmlns:p14="http://schemas.microsoft.com/office/powerpoint/2010/main" val="272098082"/>
+        <p14:creationId xmlns:p14="http://schemas.microsoft.com/office/powerpoint/2010/main" val="2540068545"/>
       </p:ext>
     </p:extLst>
   </p:cSld>
@@ -349,7 +349,7 @@
           <p:cNvPr id="2" name="标题 1">
             <a:extLst>
               <a:ext uri="{FF2B5EF4-FFF2-40B4-BE49-F238E27FC236}">
-                <a16:creationId xmlns:a16="http://schemas.microsoft.com/office/drawing/2014/main" id="{1BD8B374-379C-8E4E-99CB-F4F4DCA1778A}"/>
+                <a16:creationId xmlns:a16="http://schemas.microsoft.com/office/drawing/2014/main" id="{A8E91002-B7EB-0295-3929-A6E01FBEB7C8}"/>
               </a:ext>
             </a:extLst>
           </p:cNvPr>
@@ -377,7 +377,7 @@
           <p:cNvPr id="3" name="竖排文字占位符 2">
             <a:extLst>
               <a:ext uri="{FF2B5EF4-FFF2-40B4-BE49-F238E27FC236}">
-                <a16:creationId xmlns:a16="http://schemas.microsoft.com/office/drawing/2014/main" id="{95D7FB29-06F0-9836-D491-AD3FB29CF331}"/>
+                <a16:creationId xmlns:a16="http://schemas.microsoft.com/office/drawing/2014/main" id="{E4229EBA-8101-8854-7E6D-36E1B364EB01}"/>
               </a:ext>
             </a:extLst>
           </p:cNvPr>
@@ -434,7 +434,7 @@
           <p:cNvPr id="4" name="日期占位符 3">
             <a:extLst>
               <a:ext uri="{FF2B5EF4-FFF2-40B4-BE49-F238E27FC236}">
-                <a16:creationId xmlns:a16="http://schemas.microsoft.com/office/drawing/2014/main" id="{F905670F-976F-FE53-781D-6E74DA092068}"/>
+                <a16:creationId xmlns:a16="http://schemas.microsoft.com/office/drawing/2014/main" id="{F45A2668-1BB1-F164-9571-E86F30F11F6F}"/>
               </a:ext>
             </a:extLst>
           </p:cNvPr>
@@ -450,7 +450,7 @@
           <a:bodyPr/>
           <a:lstStyle/>
           <a:p>
-            <a:fld id="{D2593F42-B09A-4528-B28B-F1CCE2BDC2CA}" type="datetimeFigureOut">
+            <a:fld id="{EF42F690-B663-4023-B33D-D6AAA1BE39AB}" type="datetimeFigureOut">
               <a:rPr lang="zh-CN" altLang="en-US" smtClean="0"/>
               <a:t>2024/3/10</a:t>
             </a:fld>
@@ -463,7 +463,7 @@
           <p:cNvPr id="5" name="页脚占位符 4">
             <a:extLst>
               <a:ext uri="{FF2B5EF4-FFF2-40B4-BE49-F238E27FC236}">
-                <a16:creationId xmlns:a16="http://schemas.microsoft.com/office/drawing/2014/main" id="{85208F56-476B-3B18-3623-0B24BCA9F0BF}"/>
+                <a16:creationId xmlns:a16="http://schemas.microsoft.com/office/drawing/2014/main" id="{FD89BB40-12F3-25E9-0178-79D8E35C1AAA}"/>
               </a:ext>
             </a:extLst>
           </p:cNvPr>
@@ -488,7 +488,7 @@
           <p:cNvPr id="6" name="灯片编号占位符 5">
             <a:extLst>
               <a:ext uri="{FF2B5EF4-FFF2-40B4-BE49-F238E27FC236}">
-                <a16:creationId xmlns:a16="http://schemas.microsoft.com/office/drawing/2014/main" id="{65719987-DE22-883C-A8BC-A4A880966EB5}"/>
+                <a16:creationId xmlns:a16="http://schemas.microsoft.com/office/drawing/2014/main" id="{2C010EF6-B859-9173-8935-ED0DB0A35024}"/>
               </a:ext>
             </a:extLst>
           </p:cNvPr>
@@ -504,7 +504,7 @@
           <a:bodyPr/>
           <a:lstStyle/>
           <a:p>
-            <a:fld id="{C37F9535-3300-42A5-BAAA-CEB7B6A84C95}" type="slidenum">
+            <a:fld id="{40A9D8AA-6C24-4DBE-9B4D-97CF04EE24E7}" type="slidenum">
               <a:rPr lang="zh-CN" altLang="en-US" smtClean="0"/>
               <a:t>‹#›</a:t>
             </a:fld>
@@ -515,7 +515,7 @@
     </p:spTree>
     <p:extLst>
       <p:ext uri="{BB962C8B-B14F-4D97-AF65-F5344CB8AC3E}">
-        <p14:creationId xmlns:p14="http://schemas.microsoft.com/office/powerpoint/2010/main" val="1311806690"/>
+        <p14:creationId xmlns:p14="http://schemas.microsoft.com/office/powerpoint/2010/main" val="905189908"/>
       </p:ext>
     </p:extLst>
   </p:cSld>
@@ -547,7 +547,7 @@
           <p:cNvPr id="2" name="竖排标题 1">
             <a:extLst>
               <a:ext uri="{FF2B5EF4-FFF2-40B4-BE49-F238E27FC236}">
-                <a16:creationId xmlns:a16="http://schemas.microsoft.com/office/drawing/2014/main" id="{DB5A7FF6-3EB6-AFD8-4D29-3674FF8E5AA7}"/>
+                <a16:creationId xmlns:a16="http://schemas.microsoft.com/office/drawing/2014/main" id="{EBE81652-B153-A22A-2086-6C5F1F6C3445}"/>
               </a:ext>
             </a:extLst>
           </p:cNvPr>
@@ -580,7 +580,7 @@
           <p:cNvPr id="3" name="竖排文字占位符 2">
             <a:extLst>
               <a:ext uri="{FF2B5EF4-FFF2-40B4-BE49-F238E27FC236}">
-                <a16:creationId xmlns:a16="http://schemas.microsoft.com/office/drawing/2014/main" id="{1C35C79F-0D55-3FD2-0399-E70A8AE8C5DC}"/>
+                <a16:creationId xmlns:a16="http://schemas.microsoft.com/office/drawing/2014/main" id="{D09619CA-09CB-E5F3-8029-AA1FD2128803}"/>
               </a:ext>
             </a:extLst>
           </p:cNvPr>
@@ -642,7 +642,7 @@
           <p:cNvPr id="4" name="日期占位符 3">
             <a:extLst>
               <a:ext uri="{FF2B5EF4-FFF2-40B4-BE49-F238E27FC236}">
-                <a16:creationId xmlns:a16="http://schemas.microsoft.com/office/drawing/2014/main" id="{704E53DA-BECC-616C-E302-3844C5C56334}"/>
+                <a16:creationId xmlns:a16="http://schemas.microsoft.com/office/drawing/2014/main" id="{3C162261-6E80-FB9D-953F-7126A369033F}"/>
               </a:ext>
             </a:extLst>
           </p:cNvPr>
@@ -658,7 +658,7 @@
           <a:bodyPr/>
           <a:lstStyle/>
           <a:p>
-            <a:fld id="{D2593F42-B09A-4528-B28B-F1CCE2BDC2CA}" type="datetimeFigureOut">
+            <a:fld id="{EF42F690-B663-4023-B33D-D6AAA1BE39AB}" type="datetimeFigureOut">
               <a:rPr lang="zh-CN" altLang="en-US" smtClean="0"/>
               <a:t>2024/3/10</a:t>
             </a:fld>
@@ -671,7 +671,7 @@
           <p:cNvPr id="5" name="页脚占位符 4">
             <a:extLst>
               <a:ext uri="{FF2B5EF4-FFF2-40B4-BE49-F238E27FC236}">
-                <a16:creationId xmlns:a16="http://schemas.microsoft.com/office/drawing/2014/main" id="{151CF02C-DE28-44FB-FB16-470D83CFBB83}"/>
+                <a16:creationId xmlns:a16="http://schemas.microsoft.com/office/drawing/2014/main" id="{564034D4-33E0-61E8-137B-A5B9EF0E68F4}"/>
               </a:ext>
             </a:extLst>
           </p:cNvPr>
@@ -696,7 +696,7 @@
           <p:cNvPr id="6" name="灯片编号占位符 5">
             <a:extLst>
               <a:ext uri="{FF2B5EF4-FFF2-40B4-BE49-F238E27FC236}">
-                <a16:creationId xmlns:a16="http://schemas.microsoft.com/office/drawing/2014/main" id="{E3048B2C-6719-30C0-C854-BE1531E26FC7}"/>
+                <a16:creationId xmlns:a16="http://schemas.microsoft.com/office/drawing/2014/main" id="{9B2D0DCA-BE4B-394B-1A28-CD8B6F7D53A4}"/>
               </a:ext>
             </a:extLst>
           </p:cNvPr>
@@ -712,7 +712,7 @@
           <a:bodyPr/>
           <a:lstStyle/>
           <a:p>
-            <a:fld id="{C37F9535-3300-42A5-BAAA-CEB7B6A84C95}" type="slidenum">
+            <a:fld id="{40A9D8AA-6C24-4DBE-9B4D-97CF04EE24E7}" type="slidenum">
               <a:rPr lang="zh-CN" altLang="en-US" smtClean="0"/>
               <a:t>‹#›</a:t>
             </a:fld>
@@ -723,7 +723,7 @@
     </p:spTree>
     <p:extLst>
       <p:ext uri="{BB962C8B-B14F-4D97-AF65-F5344CB8AC3E}">
-        <p14:creationId xmlns:p14="http://schemas.microsoft.com/office/powerpoint/2010/main" val="2394839657"/>
+        <p14:creationId xmlns:p14="http://schemas.microsoft.com/office/powerpoint/2010/main" val="1044305373"/>
       </p:ext>
     </p:extLst>
   </p:cSld>
@@ -755,7 +755,7 @@
           <p:cNvPr id="2" name="标题 1">
             <a:extLst>
               <a:ext uri="{FF2B5EF4-FFF2-40B4-BE49-F238E27FC236}">
-                <a16:creationId xmlns:a16="http://schemas.microsoft.com/office/drawing/2014/main" id="{D352D4EE-9D10-695D-06F0-F5B2E5D48ED8}"/>
+                <a16:creationId xmlns:a16="http://schemas.microsoft.com/office/drawing/2014/main" id="{E7745E62-5829-9CDB-5027-64764AD110CB}"/>
               </a:ext>
             </a:extLst>
           </p:cNvPr>
@@ -783,7 +783,7 @@
           <p:cNvPr id="3" name="内容占位符 2">
             <a:extLst>
               <a:ext uri="{FF2B5EF4-FFF2-40B4-BE49-F238E27FC236}">
-                <a16:creationId xmlns:a16="http://schemas.microsoft.com/office/drawing/2014/main" id="{8996270B-ABFA-A809-4B11-8DC7E16AAC60}"/>
+                <a16:creationId xmlns:a16="http://schemas.microsoft.com/office/drawing/2014/main" id="{C7697AFA-E98F-1F7B-19CE-037EACD52EE8}"/>
               </a:ext>
             </a:extLst>
           </p:cNvPr>
@@ -840,7 +840,7 @@
           <p:cNvPr id="4" name="日期占位符 3">
             <a:extLst>
               <a:ext uri="{FF2B5EF4-FFF2-40B4-BE49-F238E27FC236}">
-                <a16:creationId xmlns:a16="http://schemas.microsoft.com/office/drawing/2014/main" id="{3649A7C9-22AB-FE4C-808F-BB08C157EB6B}"/>
+                <a16:creationId xmlns:a16="http://schemas.microsoft.com/office/drawing/2014/main" id="{B0EF0961-CA9C-7AFB-F0CA-3E7737D23D1B}"/>
               </a:ext>
             </a:extLst>
           </p:cNvPr>
@@ -856,7 +856,7 @@
           <a:bodyPr/>
           <a:lstStyle/>
           <a:p>
-            <a:fld id="{D2593F42-B09A-4528-B28B-F1CCE2BDC2CA}" type="datetimeFigureOut">
+            <a:fld id="{EF42F690-B663-4023-B33D-D6AAA1BE39AB}" type="datetimeFigureOut">
               <a:rPr lang="zh-CN" altLang="en-US" smtClean="0"/>
               <a:t>2024/3/10</a:t>
             </a:fld>
@@ -869,7 +869,7 @@
           <p:cNvPr id="5" name="页脚占位符 4">
             <a:extLst>
               <a:ext uri="{FF2B5EF4-FFF2-40B4-BE49-F238E27FC236}">
-                <a16:creationId xmlns:a16="http://schemas.microsoft.com/office/drawing/2014/main" id="{1B68486C-C6FD-0615-64A4-D343E6C6177E}"/>
+                <a16:creationId xmlns:a16="http://schemas.microsoft.com/office/drawing/2014/main" id="{069CCA4B-BB51-BE89-47CB-AB33801ED31F}"/>
               </a:ext>
             </a:extLst>
           </p:cNvPr>
@@ -894,7 +894,7 @@
           <p:cNvPr id="6" name="灯片编号占位符 5">
             <a:extLst>
               <a:ext uri="{FF2B5EF4-FFF2-40B4-BE49-F238E27FC236}">
-                <a16:creationId xmlns:a16="http://schemas.microsoft.com/office/drawing/2014/main" id="{F664E2A8-DF42-FF7D-E5C1-D50AA59BEFED}"/>
+                <a16:creationId xmlns:a16="http://schemas.microsoft.com/office/drawing/2014/main" id="{59210C16-00CD-3678-0171-9BE05D8AC1E9}"/>
               </a:ext>
             </a:extLst>
           </p:cNvPr>
@@ -910,7 +910,7 @@
           <a:bodyPr/>
           <a:lstStyle/>
           <a:p>
-            <a:fld id="{C37F9535-3300-42A5-BAAA-CEB7B6A84C95}" type="slidenum">
+            <a:fld id="{40A9D8AA-6C24-4DBE-9B4D-97CF04EE24E7}" type="slidenum">
               <a:rPr lang="zh-CN" altLang="en-US" smtClean="0"/>
               <a:t>‹#›</a:t>
             </a:fld>
@@ -921,7 +921,7 @@
     </p:spTree>
     <p:extLst>
       <p:ext uri="{BB962C8B-B14F-4D97-AF65-F5344CB8AC3E}">
-        <p14:creationId xmlns:p14="http://schemas.microsoft.com/office/powerpoint/2010/main" val="2909665675"/>
+        <p14:creationId xmlns:p14="http://schemas.microsoft.com/office/powerpoint/2010/main" val="852496867"/>
       </p:ext>
     </p:extLst>
   </p:cSld>
@@ -953,7 +953,7 @@
           <p:cNvPr id="2" name="标题 1">
             <a:extLst>
               <a:ext uri="{FF2B5EF4-FFF2-40B4-BE49-F238E27FC236}">
-                <a16:creationId xmlns:a16="http://schemas.microsoft.com/office/drawing/2014/main" id="{8735B78E-9855-78C3-0D19-94ABB97E0147}"/>
+                <a16:creationId xmlns:a16="http://schemas.microsoft.com/office/drawing/2014/main" id="{582D6883-3C39-B49F-4EB9-9D3FAB9A4D5F}"/>
               </a:ext>
             </a:extLst>
           </p:cNvPr>
@@ -990,7 +990,7 @@
           <p:cNvPr id="3" name="文本占位符 2">
             <a:extLst>
               <a:ext uri="{FF2B5EF4-FFF2-40B4-BE49-F238E27FC236}">
-                <a16:creationId xmlns:a16="http://schemas.microsoft.com/office/drawing/2014/main" id="{B34119CE-CF05-FDBA-5152-426F335BCE46}"/>
+                <a16:creationId xmlns:a16="http://schemas.microsoft.com/office/drawing/2014/main" id="{CB999A53-8D57-430B-3392-11D760ED50F4}"/>
               </a:ext>
             </a:extLst>
           </p:cNvPr>
@@ -1115,7 +1115,7 @@
           <p:cNvPr id="4" name="日期占位符 3">
             <a:extLst>
               <a:ext uri="{FF2B5EF4-FFF2-40B4-BE49-F238E27FC236}">
-                <a16:creationId xmlns:a16="http://schemas.microsoft.com/office/drawing/2014/main" id="{858C1FC7-6F08-0ED4-BBBA-6F75E21E1CB9}"/>
+                <a16:creationId xmlns:a16="http://schemas.microsoft.com/office/drawing/2014/main" id="{4228B020-C0A7-5E60-F1C3-CD517C2AF7A8}"/>
               </a:ext>
             </a:extLst>
           </p:cNvPr>
@@ -1131,7 +1131,7 @@
           <a:bodyPr/>
           <a:lstStyle/>
           <a:p>
-            <a:fld id="{D2593F42-B09A-4528-B28B-F1CCE2BDC2CA}" type="datetimeFigureOut">
+            <a:fld id="{EF42F690-B663-4023-B33D-D6AAA1BE39AB}" type="datetimeFigureOut">
               <a:rPr lang="zh-CN" altLang="en-US" smtClean="0"/>
               <a:t>2024/3/10</a:t>
             </a:fld>
@@ -1144,7 +1144,7 @@
           <p:cNvPr id="5" name="页脚占位符 4">
             <a:extLst>
               <a:ext uri="{FF2B5EF4-FFF2-40B4-BE49-F238E27FC236}">
-                <a16:creationId xmlns:a16="http://schemas.microsoft.com/office/drawing/2014/main" id="{0BDD56B4-D763-E5AF-59FC-EAE588F5314E}"/>
+                <a16:creationId xmlns:a16="http://schemas.microsoft.com/office/drawing/2014/main" id="{72425FC5-89DC-563F-E99A-D5E525D3DC38}"/>
               </a:ext>
             </a:extLst>
           </p:cNvPr>
@@ -1169,7 +1169,7 @@
           <p:cNvPr id="6" name="灯片编号占位符 5">
             <a:extLst>
               <a:ext uri="{FF2B5EF4-FFF2-40B4-BE49-F238E27FC236}">
-                <a16:creationId xmlns:a16="http://schemas.microsoft.com/office/drawing/2014/main" id="{0F89B1BF-4959-E93A-A2D7-70B6EAD5F62B}"/>
+                <a16:creationId xmlns:a16="http://schemas.microsoft.com/office/drawing/2014/main" id="{1D02ECDF-67BC-CBAE-1AA8-42F38D7E2F7B}"/>
               </a:ext>
             </a:extLst>
           </p:cNvPr>
@@ -1185,7 +1185,7 @@
           <a:bodyPr/>
           <a:lstStyle/>
           <a:p>
-            <a:fld id="{C37F9535-3300-42A5-BAAA-CEB7B6A84C95}" type="slidenum">
+            <a:fld id="{40A9D8AA-6C24-4DBE-9B4D-97CF04EE24E7}" type="slidenum">
               <a:rPr lang="zh-CN" altLang="en-US" smtClean="0"/>
               <a:t>‹#›</a:t>
             </a:fld>
@@ -1196,7 +1196,7 @@
     </p:spTree>
     <p:extLst>
       <p:ext uri="{BB962C8B-B14F-4D97-AF65-F5344CB8AC3E}">
-        <p14:creationId xmlns:p14="http://schemas.microsoft.com/office/powerpoint/2010/main" val="1047892393"/>
+        <p14:creationId xmlns:p14="http://schemas.microsoft.com/office/powerpoint/2010/main" val="893765210"/>
       </p:ext>
     </p:extLst>
   </p:cSld>
@@ -1228,7 +1228,7 @@
           <p:cNvPr id="2" name="标题 1">
             <a:extLst>
               <a:ext uri="{FF2B5EF4-FFF2-40B4-BE49-F238E27FC236}">
-                <a16:creationId xmlns:a16="http://schemas.microsoft.com/office/drawing/2014/main" id="{7108901B-1CEF-6AD0-C09E-9108B9E84857}"/>
+                <a16:creationId xmlns:a16="http://schemas.microsoft.com/office/drawing/2014/main" id="{7702017E-FD5A-1368-1C7B-0236CE5DBE81}"/>
               </a:ext>
             </a:extLst>
           </p:cNvPr>
@@ -1256,7 +1256,7 @@
           <p:cNvPr id="3" name="内容占位符 2">
             <a:extLst>
               <a:ext uri="{FF2B5EF4-FFF2-40B4-BE49-F238E27FC236}">
-                <a16:creationId xmlns:a16="http://schemas.microsoft.com/office/drawing/2014/main" id="{A7B7D6F6-BD7F-0D76-C06B-5D78EB3C9E56}"/>
+                <a16:creationId xmlns:a16="http://schemas.microsoft.com/office/drawing/2014/main" id="{21F07EE8-E313-7776-ACB0-491468869622}"/>
               </a:ext>
             </a:extLst>
           </p:cNvPr>
@@ -1318,7 +1318,7 @@
           <p:cNvPr id="4" name="内容占位符 3">
             <a:extLst>
               <a:ext uri="{FF2B5EF4-FFF2-40B4-BE49-F238E27FC236}">
-                <a16:creationId xmlns:a16="http://schemas.microsoft.com/office/drawing/2014/main" id="{A3171493-6D64-1FEF-CC93-97FF42CF4195}"/>
+                <a16:creationId xmlns:a16="http://schemas.microsoft.com/office/drawing/2014/main" id="{51AADBFE-3F22-FEE0-64C9-5BAAE15C7042}"/>
               </a:ext>
             </a:extLst>
           </p:cNvPr>
@@ -1380,7 +1380,7 @@
           <p:cNvPr id="5" name="日期占位符 4">
             <a:extLst>
               <a:ext uri="{FF2B5EF4-FFF2-40B4-BE49-F238E27FC236}">
-                <a16:creationId xmlns:a16="http://schemas.microsoft.com/office/drawing/2014/main" id="{D8FCD276-A159-1B79-BFA2-889F02701394}"/>
+                <a16:creationId xmlns:a16="http://schemas.microsoft.com/office/drawing/2014/main" id="{51FB42FC-CD1C-B7DD-8BD2-F76DB770E189}"/>
               </a:ext>
             </a:extLst>
           </p:cNvPr>
@@ -1396,7 +1396,7 @@
           <a:bodyPr/>
           <a:lstStyle/>
           <a:p>
-            <a:fld id="{D2593F42-B09A-4528-B28B-F1CCE2BDC2CA}" type="datetimeFigureOut">
+            <a:fld id="{EF42F690-B663-4023-B33D-D6AAA1BE39AB}" type="datetimeFigureOut">
               <a:rPr lang="zh-CN" altLang="en-US" smtClean="0"/>
               <a:t>2024/3/10</a:t>
             </a:fld>
@@ -1409,7 +1409,7 @@
           <p:cNvPr id="6" name="页脚占位符 5">
             <a:extLst>
               <a:ext uri="{FF2B5EF4-FFF2-40B4-BE49-F238E27FC236}">
-                <a16:creationId xmlns:a16="http://schemas.microsoft.com/office/drawing/2014/main" id="{6F38177F-35F5-F890-7177-BD1695EE401B}"/>
+                <a16:creationId xmlns:a16="http://schemas.microsoft.com/office/drawing/2014/main" id="{A36BD92E-9572-DEA4-9019-0BC38A877F49}"/>
               </a:ext>
             </a:extLst>
           </p:cNvPr>
@@ -1434,7 +1434,7 @@
           <p:cNvPr id="7" name="灯片编号占位符 6">
             <a:extLst>
               <a:ext uri="{FF2B5EF4-FFF2-40B4-BE49-F238E27FC236}">
-                <a16:creationId xmlns:a16="http://schemas.microsoft.com/office/drawing/2014/main" id="{93489A18-D3DD-8D79-139A-0436D4B4264F}"/>
+                <a16:creationId xmlns:a16="http://schemas.microsoft.com/office/drawing/2014/main" id="{6468563C-7832-67F7-B147-60E77161543A}"/>
               </a:ext>
             </a:extLst>
           </p:cNvPr>
@@ -1450,7 +1450,7 @@
           <a:bodyPr/>
           <a:lstStyle/>
           <a:p>
-            <a:fld id="{C37F9535-3300-42A5-BAAA-CEB7B6A84C95}" type="slidenum">
+            <a:fld id="{40A9D8AA-6C24-4DBE-9B4D-97CF04EE24E7}" type="slidenum">
               <a:rPr lang="zh-CN" altLang="en-US" smtClean="0"/>
               <a:t>‹#›</a:t>
             </a:fld>
@@ -1461,7 +1461,7 @@
     </p:spTree>
     <p:extLst>
       <p:ext uri="{BB962C8B-B14F-4D97-AF65-F5344CB8AC3E}">
-        <p14:creationId xmlns:p14="http://schemas.microsoft.com/office/powerpoint/2010/main" val="3901510149"/>
+        <p14:creationId xmlns:p14="http://schemas.microsoft.com/office/powerpoint/2010/main" val="2811385100"/>
       </p:ext>
     </p:extLst>
   </p:cSld>
@@ -1493,7 +1493,7 @@
           <p:cNvPr id="2" name="标题 1">
             <a:extLst>
               <a:ext uri="{FF2B5EF4-FFF2-40B4-BE49-F238E27FC236}">
-                <a16:creationId xmlns:a16="http://schemas.microsoft.com/office/drawing/2014/main" id="{FA430D4F-12C8-B501-D569-AFDF6E12DD9B}"/>
+                <a16:creationId xmlns:a16="http://schemas.microsoft.com/office/drawing/2014/main" id="{732C89E7-E25A-A8E2-A03D-C83524CF3DBC}"/>
               </a:ext>
             </a:extLst>
           </p:cNvPr>
@@ -1526,7 +1526,7 @@
           <p:cNvPr id="3" name="文本占位符 2">
             <a:extLst>
               <a:ext uri="{FF2B5EF4-FFF2-40B4-BE49-F238E27FC236}">
-                <a16:creationId xmlns:a16="http://schemas.microsoft.com/office/drawing/2014/main" id="{E6184703-8765-B922-C45A-419589FC8A79}"/>
+                <a16:creationId xmlns:a16="http://schemas.microsoft.com/office/drawing/2014/main" id="{C32FF708-FC3B-9C91-E98E-9063CB486FC5}"/>
               </a:ext>
             </a:extLst>
           </p:cNvPr>
@@ -1597,7 +1597,7 @@
           <p:cNvPr id="4" name="内容占位符 3">
             <a:extLst>
               <a:ext uri="{FF2B5EF4-FFF2-40B4-BE49-F238E27FC236}">
-                <a16:creationId xmlns:a16="http://schemas.microsoft.com/office/drawing/2014/main" id="{24ACBF47-C0BB-936C-189A-5E59ED320536}"/>
+                <a16:creationId xmlns:a16="http://schemas.microsoft.com/office/drawing/2014/main" id="{F326485F-19FC-D40D-1E95-51B8EA0AB46B}"/>
               </a:ext>
             </a:extLst>
           </p:cNvPr>
@@ -1659,7 +1659,7 @@
           <p:cNvPr id="5" name="文本占位符 4">
             <a:extLst>
               <a:ext uri="{FF2B5EF4-FFF2-40B4-BE49-F238E27FC236}">
-                <a16:creationId xmlns:a16="http://schemas.microsoft.com/office/drawing/2014/main" id="{F283830A-4162-EDAF-2565-DE7E96933AA9}"/>
+                <a16:creationId xmlns:a16="http://schemas.microsoft.com/office/drawing/2014/main" id="{0D86B6AE-4769-DC77-77A0-216A68E9C5BA}"/>
               </a:ext>
             </a:extLst>
           </p:cNvPr>
@@ -1730,7 +1730,7 @@
           <p:cNvPr id="6" name="内容占位符 5">
             <a:extLst>
               <a:ext uri="{FF2B5EF4-FFF2-40B4-BE49-F238E27FC236}">
-                <a16:creationId xmlns:a16="http://schemas.microsoft.com/office/drawing/2014/main" id="{469DAE2A-DD54-18CE-AE20-7E19E660B7EC}"/>
+                <a16:creationId xmlns:a16="http://schemas.microsoft.com/office/drawing/2014/main" id="{8458E509-ED48-EBA3-5C82-D84664FF64C6}"/>
               </a:ext>
             </a:extLst>
           </p:cNvPr>
@@ -1792,7 +1792,7 @@
           <p:cNvPr id="7" name="日期占位符 6">
             <a:extLst>
               <a:ext uri="{FF2B5EF4-FFF2-40B4-BE49-F238E27FC236}">
-                <a16:creationId xmlns:a16="http://schemas.microsoft.com/office/drawing/2014/main" id="{53A2F389-6285-FD75-69C6-EF1C88C9C7DE}"/>
+                <a16:creationId xmlns:a16="http://schemas.microsoft.com/office/drawing/2014/main" id="{9E9B522A-BC4D-5560-171D-84FD9086ABB9}"/>
               </a:ext>
             </a:extLst>
           </p:cNvPr>
@@ -1808,7 +1808,7 @@
           <a:bodyPr/>
           <a:lstStyle/>
           <a:p>
-            <a:fld id="{D2593F42-B09A-4528-B28B-F1CCE2BDC2CA}" type="datetimeFigureOut">
+            <a:fld id="{EF42F690-B663-4023-B33D-D6AAA1BE39AB}" type="datetimeFigureOut">
               <a:rPr lang="zh-CN" altLang="en-US" smtClean="0"/>
               <a:t>2024/3/10</a:t>
             </a:fld>
@@ -1821,7 +1821,7 @@
           <p:cNvPr id="8" name="页脚占位符 7">
             <a:extLst>
               <a:ext uri="{FF2B5EF4-FFF2-40B4-BE49-F238E27FC236}">
-                <a16:creationId xmlns:a16="http://schemas.microsoft.com/office/drawing/2014/main" id="{2C48C55D-6668-0917-89B9-2F5267B5ADFF}"/>
+                <a16:creationId xmlns:a16="http://schemas.microsoft.com/office/drawing/2014/main" id="{72503654-E98F-9036-384A-6C2F2DB31596}"/>
               </a:ext>
             </a:extLst>
           </p:cNvPr>
@@ -1846,7 +1846,7 @@
           <p:cNvPr id="9" name="灯片编号占位符 8">
             <a:extLst>
               <a:ext uri="{FF2B5EF4-FFF2-40B4-BE49-F238E27FC236}">
-                <a16:creationId xmlns:a16="http://schemas.microsoft.com/office/drawing/2014/main" id="{0EF46414-49BD-E39D-B82A-C73B0076513B}"/>
+                <a16:creationId xmlns:a16="http://schemas.microsoft.com/office/drawing/2014/main" id="{E1E5C035-79F4-B392-4CA1-7AF18265B8DB}"/>
               </a:ext>
             </a:extLst>
           </p:cNvPr>
@@ -1862,7 +1862,7 @@
           <a:bodyPr/>
           <a:lstStyle/>
           <a:p>
-            <a:fld id="{C37F9535-3300-42A5-BAAA-CEB7B6A84C95}" type="slidenum">
+            <a:fld id="{40A9D8AA-6C24-4DBE-9B4D-97CF04EE24E7}" type="slidenum">
               <a:rPr lang="zh-CN" altLang="en-US" smtClean="0"/>
               <a:t>‹#›</a:t>
             </a:fld>
@@ -1873,7 +1873,7 @@
     </p:spTree>
     <p:extLst>
       <p:ext uri="{BB962C8B-B14F-4D97-AF65-F5344CB8AC3E}">
-        <p14:creationId xmlns:p14="http://schemas.microsoft.com/office/powerpoint/2010/main" val="1692118042"/>
+        <p14:creationId xmlns:p14="http://schemas.microsoft.com/office/powerpoint/2010/main" val="3700526581"/>
       </p:ext>
     </p:extLst>
   </p:cSld>
@@ -1905,7 +1905,7 @@
           <p:cNvPr id="2" name="标题 1">
             <a:extLst>
               <a:ext uri="{FF2B5EF4-FFF2-40B4-BE49-F238E27FC236}">
-                <a16:creationId xmlns:a16="http://schemas.microsoft.com/office/drawing/2014/main" id="{13332461-A495-9B13-E6D0-667479D40F3F}"/>
+                <a16:creationId xmlns:a16="http://schemas.microsoft.com/office/drawing/2014/main" id="{E064ED12-1808-C02B-7572-C6B103ACDE9F}"/>
               </a:ext>
             </a:extLst>
           </p:cNvPr>
@@ -1933,7 +1933,7 @@
           <p:cNvPr id="3" name="日期占位符 2">
             <a:extLst>
               <a:ext uri="{FF2B5EF4-FFF2-40B4-BE49-F238E27FC236}">
-                <a16:creationId xmlns:a16="http://schemas.microsoft.com/office/drawing/2014/main" id="{6A9B8A1A-D17A-7D7B-1C86-7F5777E2D326}"/>
+                <a16:creationId xmlns:a16="http://schemas.microsoft.com/office/drawing/2014/main" id="{82BDB445-8A1A-9257-9A6B-2A11304ED74B}"/>
               </a:ext>
             </a:extLst>
           </p:cNvPr>
@@ -1949,7 +1949,7 @@
           <a:bodyPr/>
           <a:lstStyle/>
           <a:p>
-            <a:fld id="{D2593F42-B09A-4528-B28B-F1CCE2BDC2CA}" type="datetimeFigureOut">
+            <a:fld id="{EF42F690-B663-4023-B33D-D6AAA1BE39AB}" type="datetimeFigureOut">
               <a:rPr lang="zh-CN" altLang="en-US" smtClean="0"/>
               <a:t>2024/3/10</a:t>
             </a:fld>
@@ -1962,7 +1962,7 @@
           <p:cNvPr id="4" name="页脚占位符 3">
             <a:extLst>
               <a:ext uri="{FF2B5EF4-FFF2-40B4-BE49-F238E27FC236}">
-                <a16:creationId xmlns:a16="http://schemas.microsoft.com/office/drawing/2014/main" id="{30E93D6B-1FB3-4E54-2602-610A05BD6D8A}"/>
+                <a16:creationId xmlns:a16="http://schemas.microsoft.com/office/drawing/2014/main" id="{9BF2A755-DA78-9BE7-F072-F9C78B7D2B62}"/>
               </a:ext>
             </a:extLst>
           </p:cNvPr>
@@ -1987,7 +1987,7 @@
           <p:cNvPr id="5" name="灯片编号占位符 4">
             <a:extLst>
               <a:ext uri="{FF2B5EF4-FFF2-40B4-BE49-F238E27FC236}">
-                <a16:creationId xmlns:a16="http://schemas.microsoft.com/office/drawing/2014/main" id="{0A562A82-5F40-15F6-502A-6CB39ECD798D}"/>
+                <a16:creationId xmlns:a16="http://schemas.microsoft.com/office/drawing/2014/main" id="{9BF8FE7C-336B-F2AF-7EF8-E9C411AF1383}"/>
               </a:ext>
             </a:extLst>
           </p:cNvPr>
@@ -2003,7 +2003,7 @@
           <a:bodyPr/>
           <a:lstStyle/>
           <a:p>
-            <a:fld id="{C37F9535-3300-42A5-BAAA-CEB7B6A84C95}" type="slidenum">
+            <a:fld id="{40A9D8AA-6C24-4DBE-9B4D-97CF04EE24E7}" type="slidenum">
               <a:rPr lang="zh-CN" altLang="en-US" smtClean="0"/>
               <a:t>‹#›</a:t>
             </a:fld>
@@ -2014,7 +2014,7 @@
     </p:spTree>
     <p:extLst>
       <p:ext uri="{BB962C8B-B14F-4D97-AF65-F5344CB8AC3E}">
-        <p14:creationId xmlns:p14="http://schemas.microsoft.com/office/powerpoint/2010/main" val="2435299677"/>
+        <p14:creationId xmlns:p14="http://schemas.microsoft.com/office/powerpoint/2010/main" val="4139306018"/>
       </p:ext>
     </p:extLst>
   </p:cSld>
@@ -2046,7 +2046,7 @@
           <p:cNvPr id="2" name="日期占位符 1">
             <a:extLst>
               <a:ext uri="{FF2B5EF4-FFF2-40B4-BE49-F238E27FC236}">
-                <a16:creationId xmlns:a16="http://schemas.microsoft.com/office/drawing/2014/main" id="{91CF2AE7-1F88-1CC0-8B46-7DAE6EA30954}"/>
+                <a16:creationId xmlns:a16="http://schemas.microsoft.com/office/drawing/2014/main" id="{1C1EEDB1-B409-4394-9956-B6EAA963996C}"/>
               </a:ext>
             </a:extLst>
           </p:cNvPr>
@@ -2062,7 +2062,7 @@
           <a:bodyPr/>
           <a:lstStyle/>
           <a:p>
-            <a:fld id="{D2593F42-B09A-4528-B28B-F1CCE2BDC2CA}" type="datetimeFigureOut">
+            <a:fld id="{EF42F690-B663-4023-B33D-D6AAA1BE39AB}" type="datetimeFigureOut">
               <a:rPr lang="zh-CN" altLang="en-US" smtClean="0"/>
               <a:t>2024/3/10</a:t>
             </a:fld>
@@ -2075,7 +2075,7 @@
           <p:cNvPr id="3" name="页脚占位符 2">
             <a:extLst>
               <a:ext uri="{FF2B5EF4-FFF2-40B4-BE49-F238E27FC236}">
-                <a16:creationId xmlns:a16="http://schemas.microsoft.com/office/drawing/2014/main" id="{98C81889-FF25-5E57-D3A1-F1DB160A1575}"/>
+                <a16:creationId xmlns:a16="http://schemas.microsoft.com/office/drawing/2014/main" id="{8A99EE2A-0404-1CAD-9E12-1BFA060CEEE6}"/>
               </a:ext>
             </a:extLst>
           </p:cNvPr>
@@ -2100,7 +2100,7 @@
           <p:cNvPr id="4" name="灯片编号占位符 3">
             <a:extLst>
               <a:ext uri="{FF2B5EF4-FFF2-40B4-BE49-F238E27FC236}">
-                <a16:creationId xmlns:a16="http://schemas.microsoft.com/office/drawing/2014/main" id="{5DB6D330-52D9-D0DB-BF06-69DBB8E81F9A}"/>
+                <a16:creationId xmlns:a16="http://schemas.microsoft.com/office/drawing/2014/main" id="{4982CC1C-DAD8-0ED8-DAE6-D01B518FCED4}"/>
               </a:ext>
             </a:extLst>
           </p:cNvPr>
@@ -2116,7 +2116,7 @@
           <a:bodyPr/>
           <a:lstStyle/>
           <a:p>
-            <a:fld id="{C37F9535-3300-42A5-BAAA-CEB7B6A84C95}" type="slidenum">
+            <a:fld id="{40A9D8AA-6C24-4DBE-9B4D-97CF04EE24E7}" type="slidenum">
               <a:rPr lang="zh-CN" altLang="en-US" smtClean="0"/>
               <a:t>‹#›</a:t>
             </a:fld>
@@ -2127,7 +2127,7 @@
     </p:spTree>
     <p:extLst>
       <p:ext uri="{BB962C8B-B14F-4D97-AF65-F5344CB8AC3E}">
-        <p14:creationId xmlns:p14="http://schemas.microsoft.com/office/powerpoint/2010/main" val="3605529736"/>
+        <p14:creationId xmlns:p14="http://schemas.microsoft.com/office/powerpoint/2010/main" val="2434252597"/>
       </p:ext>
     </p:extLst>
   </p:cSld>
@@ -2159,7 +2159,7 @@
           <p:cNvPr id="2" name="标题 1">
             <a:extLst>
               <a:ext uri="{FF2B5EF4-FFF2-40B4-BE49-F238E27FC236}">
-                <a16:creationId xmlns:a16="http://schemas.microsoft.com/office/drawing/2014/main" id="{C285DE13-8246-BD16-0F1E-C61303F3326D}"/>
+                <a16:creationId xmlns:a16="http://schemas.microsoft.com/office/drawing/2014/main" id="{9641D6CF-A10D-C7F6-6CAA-8A007D5E30AD}"/>
               </a:ext>
             </a:extLst>
           </p:cNvPr>
@@ -2196,7 +2196,7 @@
           <p:cNvPr id="3" name="内容占位符 2">
             <a:extLst>
               <a:ext uri="{FF2B5EF4-FFF2-40B4-BE49-F238E27FC236}">
-                <a16:creationId xmlns:a16="http://schemas.microsoft.com/office/drawing/2014/main" id="{AC27A849-E769-8B53-FD7C-BE1145CC59F9}"/>
+                <a16:creationId xmlns:a16="http://schemas.microsoft.com/office/drawing/2014/main" id="{3715B1B5-2414-65E8-159B-B00DC0B4E0EA}"/>
               </a:ext>
             </a:extLst>
           </p:cNvPr>
@@ -2286,7 +2286,7 @@
           <p:cNvPr id="4" name="文本占位符 3">
             <a:extLst>
               <a:ext uri="{FF2B5EF4-FFF2-40B4-BE49-F238E27FC236}">
-                <a16:creationId xmlns:a16="http://schemas.microsoft.com/office/drawing/2014/main" id="{4BB80804-98C5-96F6-ECC0-8718745023F4}"/>
+                <a16:creationId xmlns:a16="http://schemas.microsoft.com/office/drawing/2014/main" id="{0404122E-14CE-9B47-CC83-91F831106CA6}"/>
               </a:ext>
             </a:extLst>
           </p:cNvPr>
@@ -2357,7 +2357,7 @@
           <p:cNvPr id="5" name="日期占位符 4">
             <a:extLst>
               <a:ext uri="{FF2B5EF4-FFF2-40B4-BE49-F238E27FC236}">
-                <a16:creationId xmlns:a16="http://schemas.microsoft.com/office/drawing/2014/main" id="{2AB0B643-1BB4-1695-AB90-D133045F9C98}"/>
+                <a16:creationId xmlns:a16="http://schemas.microsoft.com/office/drawing/2014/main" id="{88DF5D69-8267-1C7E-18F9-D59F4727EEDF}"/>
               </a:ext>
             </a:extLst>
           </p:cNvPr>
@@ -2373,7 +2373,7 @@
           <a:bodyPr/>
           <a:lstStyle/>
           <a:p>
-            <a:fld id="{D2593F42-B09A-4528-B28B-F1CCE2BDC2CA}" type="datetimeFigureOut">
+            <a:fld id="{EF42F690-B663-4023-B33D-D6AAA1BE39AB}" type="datetimeFigureOut">
               <a:rPr lang="zh-CN" altLang="en-US" smtClean="0"/>
               <a:t>2024/3/10</a:t>
             </a:fld>
@@ -2386,7 +2386,7 @@
           <p:cNvPr id="6" name="页脚占位符 5">
             <a:extLst>
               <a:ext uri="{FF2B5EF4-FFF2-40B4-BE49-F238E27FC236}">
-                <a16:creationId xmlns:a16="http://schemas.microsoft.com/office/drawing/2014/main" id="{3D16BE0D-E1ED-7F96-3E81-043F5A89E6BC}"/>
+                <a16:creationId xmlns:a16="http://schemas.microsoft.com/office/drawing/2014/main" id="{C9F3E37C-639B-2B0A-74AF-2BF402714B40}"/>
               </a:ext>
             </a:extLst>
           </p:cNvPr>
@@ -2411,7 +2411,7 @@
           <p:cNvPr id="7" name="灯片编号占位符 6">
             <a:extLst>
               <a:ext uri="{FF2B5EF4-FFF2-40B4-BE49-F238E27FC236}">
-                <a16:creationId xmlns:a16="http://schemas.microsoft.com/office/drawing/2014/main" id="{BE1E3874-27F5-6259-13E6-C737DB864B89}"/>
+                <a16:creationId xmlns:a16="http://schemas.microsoft.com/office/drawing/2014/main" id="{1EA4E33B-DAC9-4792-092F-F17803265708}"/>
               </a:ext>
             </a:extLst>
           </p:cNvPr>
@@ -2427,7 +2427,7 @@
           <a:bodyPr/>
           <a:lstStyle/>
           <a:p>
-            <a:fld id="{C37F9535-3300-42A5-BAAA-CEB7B6A84C95}" type="slidenum">
+            <a:fld id="{40A9D8AA-6C24-4DBE-9B4D-97CF04EE24E7}" type="slidenum">
               <a:rPr lang="zh-CN" altLang="en-US" smtClean="0"/>
               <a:t>‹#›</a:t>
             </a:fld>
@@ -2438,7 +2438,7 @@
     </p:spTree>
     <p:extLst>
       <p:ext uri="{BB962C8B-B14F-4D97-AF65-F5344CB8AC3E}">
-        <p14:creationId xmlns:p14="http://schemas.microsoft.com/office/powerpoint/2010/main" val="2445317859"/>
+        <p14:creationId xmlns:p14="http://schemas.microsoft.com/office/powerpoint/2010/main" val="1865909569"/>
       </p:ext>
     </p:extLst>
   </p:cSld>
@@ -2470,7 +2470,7 @@
           <p:cNvPr id="2" name="标题 1">
             <a:extLst>
               <a:ext uri="{FF2B5EF4-FFF2-40B4-BE49-F238E27FC236}">
-                <a16:creationId xmlns:a16="http://schemas.microsoft.com/office/drawing/2014/main" id="{2C205DF7-803B-6DEC-DF23-59FBCE38CF55}"/>
+                <a16:creationId xmlns:a16="http://schemas.microsoft.com/office/drawing/2014/main" id="{EEA4FC9F-8259-BFC5-C946-8F823C812B01}"/>
               </a:ext>
             </a:extLst>
           </p:cNvPr>
@@ -2507,7 +2507,7 @@
           <p:cNvPr id="3" name="图片占位符 2">
             <a:extLst>
               <a:ext uri="{FF2B5EF4-FFF2-40B4-BE49-F238E27FC236}">
-                <a16:creationId xmlns:a16="http://schemas.microsoft.com/office/drawing/2014/main" id="{56D25F13-F9C7-E8CD-2EC5-5E501A2B00D7}"/>
+                <a16:creationId xmlns:a16="http://schemas.microsoft.com/office/drawing/2014/main" id="{8AD486F0-CA63-8FFB-FDC7-5C1F58C251AF}"/>
               </a:ext>
             </a:extLst>
           </p:cNvPr>
@@ -2574,7 +2574,7 @@
           <p:cNvPr id="4" name="文本占位符 3">
             <a:extLst>
               <a:ext uri="{FF2B5EF4-FFF2-40B4-BE49-F238E27FC236}">
-                <a16:creationId xmlns:a16="http://schemas.microsoft.com/office/drawing/2014/main" id="{30497D7F-9C26-55A8-00AC-83229BB6905B}"/>
+                <a16:creationId xmlns:a16="http://schemas.microsoft.com/office/drawing/2014/main" id="{4EC51F82-129E-AC1C-A1AA-64FFA4AFB44C}"/>
               </a:ext>
             </a:extLst>
           </p:cNvPr>
@@ -2645,7 +2645,7 @@
           <p:cNvPr id="5" name="日期占位符 4">
             <a:extLst>
               <a:ext uri="{FF2B5EF4-FFF2-40B4-BE49-F238E27FC236}">
-                <a16:creationId xmlns:a16="http://schemas.microsoft.com/office/drawing/2014/main" id="{F563E66D-E794-3CC6-C39C-13617AE22ED1}"/>
+                <a16:creationId xmlns:a16="http://schemas.microsoft.com/office/drawing/2014/main" id="{6C91A7C7-4B92-6289-3AD6-416E5CF8F64A}"/>
               </a:ext>
             </a:extLst>
           </p:cNvPr>
@@ -2661,7 +2661,7 @@
           <a:bodyPr/>
           <a:lstStyle/>
           <a:p>
-            <a:fld id="{D2593F42-B09A-4528-B28B-F1CCE2BDC2CA}" type="datetimeFigureOut">
+            <a:fld id="{EF42F690-B663-4023-B33D-D6AAA1BE39AB}" type="datetimeFigureOut">
               <a:rPr lang="zh-CN" altLang="en-US" smtClean="0"/>
               <a:t>2024/3/10</a:t>
             </a:fld>
@@ -2674,7 +2674,7 @@
           <p:cNvPr id="6" name="页脚占位符 5">
             <a:extLst>
               <a:ext uri="{FF2B5EF4-FFF2-40B4-BE49-F238E27FC236}">
-                <a16:creationId xmlns:a16="http://schemas.microsoft.com/office/drawing/2014/main" id="{930C2762-EFC0-181C-0F5E-686FBE3CBA94}"/>
+                <a16:creationId xmlns:a16="http://schemas.microsoft.com/office/drawing/2014/main" id="{822A7349-E4AF-1397-B4C5-590004FF88C4}"/>
               </a:ext>
             </a:extLst>
           </p:cNvPr>
@@ -2699,7 +2699,7 @@
           <p:cNvPr id="7" name="灯片编号占位符 6">
             <a:extLst>
               <a:ext uri="{FF2B5EF4-FFF2-40B4-BE49-F238E27FC236}">
-                <a16:creationId xmlns:a16="http://schemas.microsoft.com/office/drawing/2014/main" id="{CEFCEC09-D24E-8551-C653-F9ACD3BC543B}"/>
+                <a16:creationId xmlns:a16="http://schemas.microsoft.com/office/drawing/2014/main" id="{8C795AFD-53B8-AB7C-FAD7-6AA83F295601}"/>
               </a:ext>
             </a:extLst>
           </p:cNvPr>
@@ -2715,7 +2715,7 @@
           <a:bodyPr/>
           <a:lstStyle/>
           <a:p>
-            <a:fld id="{C37F9535-3300-42A5-BAAA-CEB7B6A84C95}" type="slidenum">
+            <a:fld id="{40A9D8AA-6C24-4DBE-9B4D-97CF04EE24E7}" type="slidenum">
               <a:rPr lang="zh-CN" altLang="en-US" smtClean="0"/>
               <a:t>‹#›</a:t>
             </a:fld>
@@ -2726,7 +2726,7 @@
     </p:spTree>
     <p:extLst>
       <p:ext uri="{BB962C8B-B14F-4D97-AF65-F5344CB8AC3E}">
-        <p14:creationId xmlns:p14="http://schemas.microsoft.com/office/powerpoint/2010/main" val="2089222583"/>
+        <p14:creationId xmlns:p14="http://schemas.microsoft.com/office/powerpoint/2010/main" val="2238841312"/>
       </p:ext>
     </p:extLst>
   </p:cSld>
@@ -2763,7 +2763,7 @@
           <p:cNvPr id="2" name="标题占位符 1">
             <a:extLst>
               <a:ext uri="{FF2B5EF4-FFF2-40B4-BE49-F238E27FC236}">
-                <a16:creationId xmlns:a16="http://schemas.microsoft.com/office/drawing/2014/main" id="{47CF2E72-6734-299B-1CBB-8FC28F744EE6}"/>
+                <a16:creationId xmlns:a16="http://schemas.microsoft.com/office/drawing/2014/main" id="{7F080C89-5330-9C4D-4165-FD5A84B5E49C}"/>
               </a:ext>
             </a:extLst>
           </p:cNvPr>
@@ -2801,7 +2801,7 @@
           <p:cNvPr id="3" name="文本占位符 2">
             <a:extLst>
               <a:ext uri="{FF2B5EF4-FFF2-40B4-BE49-F238E27FC236}">
-                <a16:creationId xmlns:a16="http://schemas.microsoft.com/office/drawing/2014/main" id="{B419A0B5-FC10-6B44-E9CC-87822ABE6C41}"/>
+                <a16:creationId xmlns:a16="http://schemas.microsoft.com/office/drawing/2014/main" id="{5AF6DB44-49A2-344E-AA37-052EB389E856}"/>
               </a:ext>
             </a:extLst>
           </p:cNvPr>
@@ -2868,7 +2868,7 @@
           <p:cNvPr id="4" name="日期占位符 3">
             <a:extLst>
               <a:ext uri="{FF2B5EF4-FFF2-40B4-BE49-F238E27FC236}">
-                <a16:creationId xmlns:a16="http://schemas.microsoft.com/office/drawing/2014/main" id="{6C6EC7B6-55B2-1FB1-A219-53A57966DB68}"/>
+                <a16:creationId xmlns:a16="http://schemas.microsoft.com/office/drawing/2014/main" id="{B6955D16-FA03-4044-DC4A-56A36C5A6F4F}"/>
               </a:ext>
             </a:extLst>
           </p:cNvPr>
@@ -2902,7 +2902,7 @@
             </a:lvl1pPr>
           </a:lstStyle>
           <a:p>
-            <a:fld id="{D2593F42-B09A-4528-B28B-F1CCE2BDC2CA}" type="datetimeFigureOut">
+            <a:fld id="{EF42F690-B663-4023-B33D-D6AAA1BE39AB}" type="datetimeFigureOut">
               <a:rPr lang="zh-CN" altLang="en-US" smtClean="0"/>
               <a:t>2024/3/10</a:t>
             </a:fld>
@@ -2915,7 +2915,7 @@
           <p:cNvPr id="5" name="页脚占位符 4">
             <a:extLst>
               <a:ext uri="{FF2B5EF4-FFF2-40B4-BE49-F238E27FC236}">
-                <a16:creationId xmlns:a16="http://schemas.microsoft.com/office/drawing/2014/main" id="{E700E128-769D-5DE2-796D-26C3C28D9DAD}"/>
+                <a16:creationId xmlns:a16="http://schemas.microsoft.com/office/drawing/2014/main" id="{7C48AA9B-53C4-C5D2-D398-1670199CCF2C}"/>
               </a:ext>
             </a:extLst>
           </p:cNvPr>
@@ -2958,7 +2958,7 @@
           <p:cNvPr id="6" name="灯片编号占位符 5">
             <a:extLst>
               <a:ext uri="{FF2B5EF4-FFF2-40B4-BE49-F238E27FC236}">
-                <a16:creationId xmlns:a16="http://schemas.microsoft.com/office/drawing/2014/main" id="{D25B7F9F-9753-D848-DCA1-591693AAFF78}"/>
+                <a16:creationId xmlns:a16="http://schemas.microsoft.com/office/drawing/2014/main" id="{1C73E2F2-110A-61EA-2457-480A2D4102C6}"/>
               </a:ext>
             </a:extLst>
           </p:cNvPr>
@@ -2992,7 +2992,7 @@
             </a:lvl1pPr>
           </a:lstStyle>
           <a:p>
-            <a:fld id="{C37F9535-3300-42A5-BAAA-CEB7B6A84C95}" type="slidenum">
+            <a:fld id="{40A9D8AA-6C24-4DBE-9B4D-97CF04EE24E7}" type="slidenum">
               <a:rPr lang="zh-CN" altLang="en-US" smtClean="0"/>
               <a:t>‹#›</a:t>
             </a:fld>
@@ -3003,7 +3003,7 @@
     </p:spTree>
     <p:extLst>
       <p:ext uri="{BB962C8B-B14F-4D97-AF65-F5344CB8AC3E}">
-        <p14:creationId xmlns:p14="http://schemas.microsoft.com/office/powerpoint/2010/main" val="2676323475"/>
+        <p14:creationId xmlns:p14="http://schemas.microsoft.com/office/powerpoint/2010/main" val="14021870"/>
       </p:ext>
     </p:extLst>
   </p:cSld>
